--- a/M013_UF1_Prototip_2_Oriol_Garcia/Prototip 2.pptx
+++ b/M013_UF1_Prototip_2_Oriol_Garcia/Prototip 2.pptx
@@ -15,7 +15,8 @@
     <p:sldId id="263" r:id="rId9"/>
     <p:sldId id="264" r:id="rId10"/>
     <p:sldId id="265" r:id="rId11"/>
-    <p:sldId id="266" r:id="rId12"/>
+    <p:sldId id="267" r:id="rId12"/>
+    <p:sldId id="266" r:id="rId13"/>
   </p:sldIdLst>
   <p:sldSz cx="9144000" cy="6858000" type="screen4x3"/>
   <p:notesSz cx="6858000" cy="9144000"/>
@@ -501,7 +502,8 @@
           <a:p>
             <a:fld id="{AB28086F-0037-4836-A106-814E49C1555E}" type="datetimeFigureOut">
               <a:rPr lang="es-ES" smtClean="0"/>
-              <a:t>19/04/2017</a:t>
+              <a:pPr/>
+              <a:t>20/04/2017</a:t>
             </a:fld>
             <a:endParaRPr lang="es-ES"/>
           </a:p>
@@ -543,6 +545,7 @@
           <a:p>
             <a:fld id="{29FB9DFF-9049-4D56-A338-FE02683ECFB1}" type="slidenum">
               <a:rPr lang="es-ES" smtClean="0"/>
+              <a:pPr/>
               <a:t>‹Nº›</a:t>
             </a:fld>
             <a:endParaRPr lang="es-ES"/>
@@ -666,7 +669,8 @@
           <a:p>
             <a:fld id="{AB28086F-0037-4836-A106-814E49C1555E}" type="datetimeFigureOut">
               <a:rPr lang="es-ES" smtClean="0"/>
-              <a:t>19/04/2017</a:t>
+              <a:pPr/>
+              <a:t>20/04/2017</a:t>
             </a:fld>
             <a:endParaRPr lang="es-ES"/>
           </a:p>
@@ -708,6 +712,7 @@
           <a:p>
             <a:fld id="{29FB9DFF-9049-4D56-A338-FE02683ECFB1}" type="slidenum">
               <a:rPr lang="es-ES" smtClean="0"/>
+              <a:pPr/>
               <a:t>‹Nº›</a:t>
             </a:fld>
             <a:endParaRPr lang="es-ES"/>
@@ -841,7 +846,8 @@
           <a:p>
             <a:fld id="{AB28086F-0037-4836-A106-814E49C1555E}" type="datetimeFigureOut">
               <a:rPr lang="es-ES" smtClean="0"/>
-              <a:t>19/04/2017</a:t>
+              <a:pPr/>
+              <a:t>20/04/2017</a:t>
             </a:fld>
             <a:endParaRPr lang="es-ES"/>
           </a:p>
@@ -883,6 +889,7 @@
           <a:p>
             <a:fld id="{29FB9DFF-9049-4D56-A338-FE02683ECFB1}" type="slidenum">
               <a:rPr lang="es-ES" smtClean="0"/>
+              <a:pPr/>
               <a:t>‹Nº›</a:t>
             </a:fld>
             <a:endParaRPr lang="es-ES"/>
@@ -1010,7 +1017,8 @@
           <a:p>
             <a:fld id="{AB28086F-0037-4836-A106-814E49C1555E}" type="datetimeFigureOut">
               <a:rPr lang="es-ES" smtClean="0"/>
-              <a:t>19/04/2017</a:t>
+              <a:pPr/>
+              <a:t>20/04/2017</a:t>
             </a:fld>
             <a:endParaRPr lang="es-ES"/>
           </a:p>
@@ -1052,6 +1060,7 @@
           <a:p>
             <a:fld id="{29FB9DFF-9049-4D56-A338-FE02683ECFB1}" type="slidenum">
               <a:rPr lang="es-ES" smtClean="0"/>
+              <a:pPr/>
               <a:t>‹Nº›</a:t>
             </a:fld>
             <a:endParaRPr lang="es-ES"/>
@@ -1465,7 +1474,8 @@
           <a:p>
             <a:fld id="{AB28086F-0037-4836-A106-814E49C1555E}" type="datetimeFigureOut">
               <a:rPr lang="es-ES" smtClean="0"/>
-              <a:t>19/04/2017</a:t>
+              <a:pPr/>
+              <a:t>20/04/2017</a:t>
             </a:fld>
             <a:endParaRPr lang="es-ES"/>
           </a:p>
@@ -1507,6 +1517,7 @@
           <a:p>
             <a:fld id="{29FB9DFF-9049-4D56-A338-FE02683ECFB1}" type="slidenum">
               <a:rPr lang="es-ES" smtClean="0"/>
+              <a:pPr/>
               <a:t>‹Nº›</a:t>
             </a:fld>
             <a:endParaRPr lang="es-ES"/>
@@ -1729,7 +1740,8 @@
           <a:p>
             <a:fld id="{AB28086F-0037-4836-A106-814E49C1555E}" type="datetimeFigureOut">
               <a:rPr lang="es-ES" smtClean="0"/>
-              <a:t>19/04/2017</a:t>
+              <a:pPr/>
+              <a:t>20/04/2017</a:t>
             </a:fld>
             <a:endParaRPr lang="es-ES"/>
           </a:p>
@@ -1771,6 +1783,7 @@
           <a:p>
             <a:fld id="{29FB9DFF-9049-4D56-A338-FE02683ECFB1}" type="slidenum">
               <a:rPr lang="es-ES" smtClean="0"/>
+              <a:pPr/>
               <a:t>‹Nº›</a:t>
             </a:fld>
             <a:endParaRPr lang="es-ES"/>
@@ -2103,7 +2116,8 @@
           <a:p>
             <a:fld id="{AB28086F-0037-4836-A106-814E49C1555E}" type="datetimeFigureOut">
               <a:rPr lang="es-ES" smtClean="0"/>
-              <a:t>19/04/2017</a:t>
+              <a:pPr/>
+              <a:t>20/04/2017</a:t>
             </a:fld>
             <a:endParaRPr lang="es-ES"/>
           </a:p>
@@ -2145,6 +2159,7 @@
           <a:p>
             <a:fld id="{29FB9DFF-9049-4D56-A338-FE02683ECFB1}" type="slidenum">
               <a:rPr lang="es-ES" smtClean="0"/>
+              <a:pPr/>
               <a:t>‹Nº›</a:t>
             </a:fld>
             <a:endParaRPr lang="es-ES"/>
@@ -2225,7 +2240,8 @@
           <a:p>
             <a:fld id="{AB28086F-0037-4836-A106-814E49C1555E}" type="datetimeFigureOut">
               <a:rPr lang="es-ES" smtClean="0"/>
-              <a:t>19/04/2017</a:t>
+              <a:pPr/>
+              <a:t>20/04/2017</a:t>
             </a:fld>
             <a:endParaRPr lang="es-ES"/>
           </a:p>
@@ -2248,6 +2264,7 @@
           <a:p>
             <a:fld id="{29FB9DFF-9049-4D56-A338-FE02683ECFB1}" type="slidenum">
               <a:rPr lang="es-ES" smtClean="0"/>
+              <a:pPr/>
               <a:t>‹Nº›</a:t>
             </a:fld>
             <a:endParaRPr lang="es-ES"/>
@@ -2315,7 +2332,8 @@
           <a:p>
             <a:fld id="{AB28086F-0037-4836-A106-814E49C1555E}" type="datetimeFigureOut">
               <a:rPr lang="es-ES" smtClean="0"/>
-              <a:t>19/04/2017</a:t>
+              <a:pPr/>
+              <a:t>20/04/2017</a:t>
             </a:fld>
             <a:endParaRPr lang="es-ES"/>
           </a:p>
@@ -2357,6 +2375,7 @@
           <a:p>
             <a:fld id="{29FB9DFF-9049-4D56-A338-FE02683ECFB1}" type="slidenum">
               <a:rPr lang="es-ES" smtClean="0"/>
+              <a:pPr/>
               <a:t>‹Nº›</a:t>
             </a:fld>
             <a:endParaRPr lang="es-ES"/>
@@ -2564,7 +2583,8 @@
           <a:p>
             <a:fld id="{AB28086F-0037-4836-A106-814E49C1555E}" type="datetimeFigureOut">
               <a:rPr lang="es-ES" smtClean="0"/>
-              <a:t>19/04/2017</a:t>
+              <a:pPr/>
+              <a:t>20/04/2017</a:t>
             </a:fld>
             <a:endParaRPr lang="es-ES"/>
           </a:p>
@@ -2611,6 +2631,7 @@
           <a:p>
             <a:fld id="{29FB9DFF-9049-4D56-A338-FE02683ECFB1}" type="slidenum">
               <a:rPr lang="es-ES" smtClean="0"/>
+              <a:pPr/>
               <a:t>‹Nº›</a:t>
             </a:fld>
             <a:endParaRPr lang="es-ES"/>
@@ -2823,7 +2844,8 @@
           <a:p>
             <a:fld id="{AB28086F-0037-4836-A106-814E49C1555E}" type="datetimeFigureOut">
               <a:rPr lang="es-ES" smtClean="0"/>
-              <a:t>19/04/2017</a:t>
+              <a:pPr/>
+              <a:t>20/04/2017</a:t>
             </a:fld>
             <a:endParaRPr lang="es-ES"/>
           </a:p>
@@ -2865,6 +2887,7 @@
           <a:p>
             <a:fld id="{29FB9DFF-9049-4D56-A338-FE02683ECFB1}" type="slidenum">
               <a:rPr lang="es-ES" smtClean="0"/>
+              <a:pPr/>
               <a:t>‹Nº›</a:t>
             </a:fld>
             <a:endParaRPr lang="es-ES"/>
@@ -3227,7 +3250,8 @@
           <a:p>
             <a:fld id="{AB28086F-0037-4836-A106-814E49C1555E}" type="datetimeFigureOut">
               <a:rPr lang="es-ES" smtClean="0"/>
-              <a:t>19/04/2017</a:t>
+              <a:pPr/>
+              <a:t>20/04/2017</a:t>
             </a:fld>
             <a:endParaRPr lang="es-ES"/>
           </a:p>
@@ -3305,6 +3329,7 @@
           <a:p>
             <a:fld id="{29FB9DFF-9049-4D56-A338-FE02683ECFB1}" type="slidenum">
               <a:rPr lang="es-ES" smtClean="0"/>
+              <a:pPr/>
               <a:t>‹Nº›</a:t>
             </a:fld>
             <a:endParaRPr lang="es-ES"/>
@@ -3714,6 +3739,13 @@
   <p:clrMapOvr>
     <a:masterClrMapping/>
   </p:clrMapOvr>
+  <p:timing>
+    <p:tnLst>
+      <p:par>
+        <p:cTn id="1" dur="indefinite" restart="never" nodeType="tmRoot"/>
+      </p:par>
+    </p:tnLst>
+  </p:timing>
 </p:sld>
 </file>
 
@@ -3751,7 +3783,7 @@
           <a:p>
             <a:r>
               <a:rPr lang="ca-ES" dirty="0" smtClean="0"/>
-              <a:t>Eines</a:t>
+              <a:t>Eines de seguiment</a:t>
             </a:r>
             <a:endParaRPr lang="ca-ES" dirty="0"/>
           </a:p>
@@ -3772,15 +3804,72 @@
           <a:bodyPr/>
           <a:lstStyle/>
           <a:p>
-            <a:endParaRPr lang="ca-ES"/>
-          </a:p>
-        </p:txBody>
-      </p:sp>
+            <a:r>
+              <a:rPr lang="ca-ES" dirty="0" err="1" smtClean="0"/>
+              <a:t>Github</a:t>
+            </a:r>
+            <a:r>
+              <a:rPr lang="ca-ES" dirty="0" smtClean="0"/>
+              <a:t> - </a:t>
+            </a:r>
+            <a:r>
+              <a:rPr lang="ca-ES" dirty="0" smtClean="0">
+                <a:hlinkClick r:id="rId2"/>
+              </a:rPr>
+              <a:t>https://github.com/OriolGarciaFores/Projecte_Storm_Bullets/tree/master/Storm_Bullets</a:t>
+            </a:r>
+            <a:endParaRPr lang="ca-ES" dirty="0" smtClean="0"/>
+          </a:p>
+          <a:p>
+            <a:endParaRPr lang="ca-ES" dirty="0"/>
+          </a:p>
+        </p:txBody>
+      </p:sp>
+      <p:pic>
+        <p:nvPicPr>
+          <p:cNvPr id="1027" name="Picture 3"/>
+          <p:cNvPicPr>
+            <a:picLocks noChangeAspect="1" noChangeArrowheads="1"/>
+          </p:cNvPicPr>
+          <p:nvPr/>
+        </p:nvPicPr>
+        <p:blipFill>
+          <a:blip r:embed="rId3"/>
+          <a:srcRect/>
+          <a:stretch>
+            <a:fillRect/>
+          </a:stretch>
+        </p:blipFill>
+        <p:spPr bwMode="auto">
+          <a:xfrm>
+            <a:off x="1500166" y="3714752"/>
+            <a:ext cx="6353134" cy="2831977"/>
+          </a:xfrm>
+          <a:prstGeom prst="rect">
+            <a:avLst/>
+          </a:prstGeom>
+          <a:noFill/>
+          <a:ln w="9525">
+            <a:noFill/>
+            <a:miter lim="800000"/>
+            <a:headEnd/>
+            <a:tailEnd/>
+          </a:ln>
+          <a:effectLst/>
+        </p:spPr>
+      </p:pic>
     </p:spTree>
   </p:cSld>
   <p:clrMapOvr>
     <a:masterClrMapping/>
   </p:clrMapOvr>
+  <p:timing>
+    <p:tnLst>
+      <p:par>
+        <p:cTn id="1" dur="indefinite" restart="never" nodeType="tmRoot"/>
+      </p:par>
+    </p:tnLst>
+  </p:timing>
 </p:sld>
 </file>
 
@@ -3817,37 +3906,142 @@
           <a:lstStyle/>
           <a:p>
             <a:r>
+              <a:rPr lang="ca-ES" dirty="0" smtClean="0"/>
+              <a:t>Eines de seguiment</a:t>
+            </a:r>
+            <a:endParaRPr lang="ca-ES" dirty="0"/>
+          </a:p>
+        </p:txBody>
+      </p:sp>
+      <p:sp>
+        <p:nvSpPr>
+          <p:cNvPr id="3" name="2 Marcador de contenido"/>
+          <p:cNvSpPr>
+            <a:spLocks noGrp="1"/>
+          </p:cNvSpPr>
+          <p:nvPr>
+            <p:ph idx="1"/>
+          </p:nvPr>
+        </p:nvSpPr>
+        <p:spPr/>
+        <p:txBody>
+          <a:bodyPr/>
+          <a:lstStyle/>
+          <a:p>
+            <a:r>
               <a:rPr lang="ca-ES" dirty="0" err="1" smtClean="0"/>
-              <a:t>Demo</a:t>
+              <a:t>Trello</a:t>
             </a:r>
             <a:endParaRPr lang="ca-ES" dirty="0"/>
           </a:p>
         </p:txBody>
       </p:sp>
-      <p:sp>
-        <p:nvSpPr>
-          <p:cNvPr id="3" name="2 Marcador de contenido"/>
-          <p:cNvSpPr>
-            <a:spLocks noGrp="1"/>
-          </p:cNvSpPr>
-          <p:nvPr>
-            <p:ph idx="1"/>
-          </p:nvPr>
-        </p:nvSpPr>
-        <p:spPr/>
-        <p:txBody>
-          <a:bodyPr/>
-          <a:lstStyle/>
-          <a:p>
-            <a:endParaRPr lang="ca-ES"/>
-          </a:p>
-        </p:txBody>
-      </p:sp>
+      <p:pic>
+        <p:nvPicPr>
+          <p:cNvPr id="2050" name="Picture 2"/>
+          <p:cNvPicPr>
+            <a:picLocks noChangeAspect="1" noChangeArrowheads="1"/>
+          </p:cNvPicPr>
+          <p:nvPr/>
+        </p:nvPicPr>
+        <p:blipFill>
+          <a:blip r:embed="rId2"/>
+          <a:srcRect/>
+          <a:stretch>
+            <a:fillRect/>
+          </a:stretch>
+        </p:blipFill>
+        <p:spPr bwMode="auto">
+          <a:xfrm>
+            <a:off x="1714480" y="2214554"/>
+            <a:ext cx="6115980" cy="4425539"/>
+          </a:xfrm>
+          <a:prstGeom prst="rect">
+            <a:avLst/>
+          </a:prstGeom>
+          <a:noFill/>
+          <a:ln w="9525">
+            <a:noFill/>
+            <a:miter lim="800000"/>
+            <a:headEnd/>
+            <a:tailEnd/>
+          </a:ln>
+          <a:effectLst/>
+        </p:spPr>
+      </p:pic>
     </p:spTree>
   </p:cSld>
   <p:clrMapOvr>
     <a:masterClrMapping/>
   </p:clrMapOvr>
+  <p:timing>
+    <p:tnLst>
+      <p:par>
+        <p:cTn id="1" dur="indefinite" restart="never" nodeType="tmRoot"/>
+      </p:par>
+    </p:tnLst>
+  </p:timing>
+</p:sld>
+</file>
+
+<file path=ppt/slides/slide12.xml><?xml version="1.0" encoding="utf-8"?>
+<p:sld xmlns:a="http://schemas.openxmlformats.org/drawingml/2006/main" xmlns:r="http://schemas.openxmlformats.org/officeDocument/2006/relationships" xmlns:p="http://schemas.openxmlformats.org/presentationml/2006/main">
+  <p:cSld>
+    <p:spTree>
+      <p:nvGrpSpPr>
+        <p:cNvPr id="1" name=""/>
+        <p:cNvGrpSpPr/>
+        <p:nvPr/>
+      </p:nvGrpSpPr>
+      <p:grpSpPr>
+        <a:xfrm>
+          <a:off x="0" y="0"/>
+          <a:ext cx="0" cy="0"/>
+          <a:chOff x="0" y="0"/>
+          <a:chExt cx="0" cy="0"/>
+        </a:xfrm>
+      </p:grpSpPr>
+      <p:sp>
+        <p:nvSpPr>
+          <p:cNvPr id="2" name="1 Título"/>
+          <p:cNvSpPr>
+            <a:spLocks noGrp="1"/>
+          </p:cNvSpPr>
+          <p:nvPr>
+            <p:ph type="title"/>
+          </p:nvPr>
+        </p:nvSpPr>
+        <p:spPr>
+          <a:xfrm>
+            <a:off x="857224" y="2786058"/>
+            <a:ext cx="7467600" cy="1143000"/>
+          </a:xfrm>
+        </p:spPr>
+        <p:txBody>
+          <a:bodyPr/>
+          <a:lstStyle/>
+          <a:p>
+            <a:pPr algn="ctr"/>
+            <a:r>
+              <a:rPr lang="ca-ES" dirty="0" smtClean="0"/>
+              <a:t>DEMO</a:t>
+            </a:r>
+            <a:endParaRPr lang="ca-ES" dirty="0"/>
+          </a:p>
+        </p:txBody>
+      </p:sp>
+    </p:spTree>
+  </p:cSld>
+  <p:clrMapOvr>
+    <a:masterClrMapping/>
+  </p:clrMapOvr>
+  <p:timing>
+    <p:tnLst>
+      <p:par>
+        <p:cTn id="1" dur="indefinite" restart="never" nodeType="tmRoot"/>
+      </p:par>
+    </p:tnLst>
+  </p:timing>
 </p:sld>
 </file>
 
@@ -4016,6 +4210,13 @@
   <p:clrMapOvr>
     <a:masterClrMapping/>
   </p:clrMapOvr>
+  <p:timing>
+    <p:tnLst>
+      <p:par>
+        <p:cTn id="1" dur="indefinite" restart="never" nodeType="tmRoot"/>
+      </p:par>
+    </p:tnLst>
+  </p:timing>
 </p:sld>
 </file>
 
@@ -4092,11 +4293,7 @@
             </a:r>
             <a:r>
               <a:rPr lang="ca-ES" sz="1200" dirty="0" smtClean="0"/>
-              <a:t> per pantalla (Imatges</a:t>
-            </a:r>
-            <a:r>
-              <a:rPr lang="ca-ES" sz="1200" dirty="0" smtClean="0"/>
-              <a:t>)</a:t>
+              <a:t> per pantalla (Imatges)</a:t>
             </a:r>
           </a:p>
           <a:p>
@@ -4124,15 +4321,7 @@
           <a:p>
             <a:r>
               <a:rPr lang="ca-ES" sz="1200" dirty="0" smtClean="0"/>
-              <a:t>Personatge </a:t>
-            </a:r>
-            <a:r>
-              <a:rPr lang="ca-ES" sz="1200" dirty="0" smtClean="0"/>
-              <a:t>amb </a:t>
-            </a:r>
-            <a:r>
-              <a:rPr lang="ca-ES" sz="1200" dirty="0" smtClean="0"/>
-              <a:t>animacions</a:t>
+              <a:t>Personatge amb animacions</a:t>
             </a:r>
           </a:p>
           <a:p>
@@ -4183,11 +4372,7 @@
           <a:p>
             <a:r>
               <a:rPr lang="ca-ES" sz="1200" dirty="0" smtClean="0"/>
-              <a:t>Canvi </a:t>
-            </a:r>
-            <a:r>
-              <a:rPr lang="ca-ES" sz="1200" dirty="0" smtClean="0"/>
-              <a:t>de </a:t>
+              <a:t>Canvi de </a:t>
             </a:r>
             <a:r>
               <a:rPr lang="ca-ES" sz="1200" dirty="0" err="1" smtClean="0"/>
@@ -4201,28 +4386,16 @@
           <a:p>
             <a:r>
               <a:rPr lang="ca-ES" sz="1200" dirty="0" smtClean="0"/>
-              <a:t>Guarda </a:t>
-            </a:r>
+              <a:t>Guarda dades partida</a:t>
+            </a:r>
+          </a:p>
+          <a:p>
+            <a:endParaRPr lang="ca-ES" sz="1200" dirty="0" smtClean="0"/>
+          </a:p>
+          <a:p>
             <a:r>
               <a:rPr lang="ca-ES" sz="1200" dirty="0" smtClean="0"/>
-              <a:t>dades </a:t>
-            </a:r>
-            <a:r>
-              <a:rPr lang="ca-ES" sz="1200" dirty="0" smtClean="0"/>
-              <a:t>partida</a:t>
-            </a:r>
-          </a:p>
-          <a:p>
-            <a:endParaRPr lang="ca-ES" sz="1200" dirty="0" smtClean="0"/>
-          </a:p>
-          <a:p>
-            <a:r>
-              <a:rPr lang="ca-ES" sz="1200" dirty="0" smtClean="0"/>
-              <a:t>Enemics </a:t>
-            </a:r>
-            <a:r>
-              <a:rPr lang="ca-ES" sz="1200" dirty="0" smtClean="0"/>
-              <a:t>(</a:t>
+              <a:t>Enemics (</a:t>
             </a:r>
             <a:r>
               <a:rPr lang="ca-ES" sz="1200" dirty="0" err="1" smtClean="0"/>
@@ -4322,11 +4495,7 @@
             </a:pPr>
             <a:r>
               <a:rPr lang="ca-ES" sz="3000" dirty="0" smtClean="0"/>
-              <a:t>Inventari</a:t>
-            </a:r>
-            <a:r>
-              <a:rPr lang="ca-ES" sz="3000" dirty="0" smtClean="0"/>
-              <a:t>.</a:t>
+              <a:t>Inventari.</a:t>
             </a:r>
           </a:p>
           <a:p>
@@ -5075,6 +5244,13 @@
   <p:clrMapOvr>
     <a:masterClrMapping/>
   </p:clrMapOvr>
+  <p:timing>
+    <p:tnLst>
+      <p:par>
+        <p:cTn id="1" dur="indefinite" restart="never" nodeType="tmRoot"/>
+      </p:par>
+    </p:tnLst>
+  </p:timing>
 </p:sld>
 </file>
 
@@ -5139,7 +5315,7 @@
         </p:blipFill>
         <p:spPr bwMode="auto">
           <a:xfrm>
-            <a:off x="1428728" y="1571612"/>
+            <a:off x="2428860" y="1571612"/>
             <a:ext cx="5148193" cy="2328557"/>
           </a:xfrm>
           <a:prstGeom prst="rect">
@@ -5172,7 +5348,7 @@
         </p:blipFill>
         <p:spPr bwMode="auto">
           <a:xfrm>
-            <a:off x="1285852" y="4286256"/>
+            <a:off x="1714480" y="4286256"/>
             <a:ext cx="6067425" cy="1228725"/>
           </a:xfrm>
           <a:prstGeom prst="rect">
@@ -5188,11 +5364,48 @@
           <a:effectLst/>
         </p:spPr>
       </p:pic>
+      <p:sp>
+        <p:nvSpPr>
+          <p:cNvPr id="5" name="4 CuadroTexto"/>
+          <p:cNvSpPr txBox="1"/>
+          <p:nvPr/>
+        </p:nvSpPr>
+        <p:spPr>
+          <a:xfrm>
+            <a:off x="857224" y="2143116"/>
+            <a:ext cx="1357322" cy="584775"/>
+          </a:xfrm>
+          <a:prstGeom prst="rect">
+            <a:avLst/>
+          </a:prstGeom>
+          <a:noFill/>
+        </p:spPr>
+        <p:txBody>
+          <a:bodyPr wrap="square" rtlCol="0">
+            <a:spAutoFit/>
+          </a:bodyPr>
+          <a:lstStyle/>
+          <a:p>
+            <a:r>
+              <a:rPr lang="ca-ES" sz="3200" dirty="0" smtClean="0"/>
+              <a:t>Top 5</a:t>
+            </a:r>
+            <a:endParaRPr lang="ca-ES" sz="3200" dirty="0"/>
+          </a:p>
+        </p:txBody>
+      </p:sp>
     </p:spTree>
   </p:cSld>
   <p:clrMapOvr>
     <a:masterClrMapping/>
   </p:clrMapOvr>
+  <p:timing>
+    <p:tnLst>
+      <p:par>
+        <p:cTn id="1" dur="indefinite" restart="never" nodeType="tmRoot"/>
+      </p:par>
+    </p:tnLst>
+  </p:timing>
 </p:sld>
 </file>
 
@@ -5590,6 +5803,13 @@
   <p:clrMapOvr>
     <a:masterClrMapping/>
   </p:clrMapOvr>
+  <p:timing>
+    <p:tnLst>
+      <p:par>
+        <p:cTn id="1" dur="indefinite" restart="never" nodeType="tmRoot"/>
+      </p:par>
+    </p:tnLst>
+  </p:timing>
 </p:sld>
 </file>
 
@@ -5626,33 +5846,95 @@
           <a:lstStyle/>
           <a:p>
             <a:r>
+              <a:rPr lang="ca-ES" dirty="0" smtClean="0"/>
+              <a:t>Pròxim esprints</a:t>
+            </a:r>
+            <a:endParaRPr lang="ca-ES" dirty="0"/>
+          </a:p>
+        </p:txBody>
+      </p:sp>
+      <p:sp>
+        <p:nvSpPr>
+          <p:cNvPr id="3" name="2 Marcador de contenido"/>
+          <p:cNvSpPr>
+            <a:spLocks noGrp="1"/>
+          </p:cNvSpPr>
+          <p:nvPr>
+            <p:ph idx="1"/>
+          </p:nvPr>
+        </p:nvSpPr>
+        <p:spPr/>
+        <p:txBody>
+          <a:bodyPr>
+            <a:normAutofit fontScale="92500" lnSpcReduction="10000"/>
+          </a:bodyPr>
+          <a:lstStyle/>
+          <a:p>
+            <a:endParaRPr lang="ca-ES" dirty="0" smtClean="0"/>
+          </a:p>
+          <a:p>
+            <a:r>
               <a:rPr lang="ca-ES" dirty="0" err="1" smtClean="0"/>
-              <a:t>Proxim</a:t>
-            </a:r>
+              <a:t>Boss</a:t>
+            </a:r>
+            <a:endParaRPr lang="ca-ES" dirty="0" smtClean="0"/>
+          </a:p>
+          <a:p>
+            <a:endParaRPr lang="ca-ES" dirty="0" smtClean="0"/>
+          </a:p>
+          <a:p>
             <a:r>
               <a:rPr lang="ca-ES" dirty="0" smtClean="0"/>
-              <a:t> Sprint</a:t>
+              <a:t>Extres:</a:t>
+            </a:r>
+          </a:p>
+          <a:p>
+            <a:pPr lvl="1"/>
+            <a:r>
+              <a:rPr lang="ca-ES" dirty="0" smtClean="0"/>
+              <a:t>Nous </a:t>
+            </a:r>
+            <a:r>
+              <a:rPr lang="ca-ES" dirty="0" err="1" smtClean="0"/>
+              <a:t>mapas</a:t>
+            </a:r>
+            <a:endParaRPr lang="ca-ES" dirty="0" smtClean="0"/>
+          </a:p>
+          <a:p>
+            <a:pPr lvl="1"/>
+            <a:r>
+              <a:rPr lang="ca-ES" dirty="0" err="1" smtClean="0"/>
+              <a:t>Respawn</a:t>
+            </a:r>
+            <a:r>
+              <a:rPr lang="ca-ES" dirty="0" smtClean="0"/>
+              <a:t> aleatori</a:t>
+            </a:r>
+          </a:p>
+          <a:p>
+            <a:pPr lvl="1"/>
+            <a:r>
+              <a:rPr lang="ca-ES" dirty="0" smtClean="0"/>
+              <a:t>Optimització</a:t>
+            </a:r>
+          </a:p>
+          <a:p>
+            <a:pPr lvl="1"/>
+            <a:r>
+              <a:rPr lang="ca-ES" dirty="0" err="1" smtClean="0"/>
+              <a:t>Icone</a:t>
+            </a:r>
+            <a:endParaRPr lang="ca-ES" dirty="0" smtClean="0"/>
+          </a:p>
+          <a:p>
+            <a:endParaRPr lang="ca-ES" dirty="0" smtClean="0"/>
+          </a:p>
+          <a:p>
+            <a:r>
+              <a:rPr lang="ca-ES" dirty="0" err="1" smtClean="0"/>
+              <a:t>Memoria</a:t>
             </a:r>
             <a:endParaRPr lang="ca-ES" dirty="0"/>
-          </a:p>
-        </p:txBody>
-      </p:sp>
-      <p:sp>
-        <p:nvSpPr>
-          <p:cNvPr id="3" name="2 Marcador de contenido"/>
-          <p:cNvSpPr>
-            <a:spLocks noGrp="1"/>
-          </p:cNvSpPr>
-          <p:nvPr>
-            <p:ph idx="1"/>
-          </p:nvPr>
-        </p:nvSpPr>
-        <p:spPr/>
-        <p:txBody>
-          <a:bodyPr/>
-          <a:lstStyle/>
-          <a:p>
-            <a:endParaRPr lang="ca-ES"/>
           </a:p>
         </p:txBody>
       </p:sp>
@@ -5661,6 +5943,13 @@
   <p:clrMapOvr>
     <a:masterClrMapping/>
   </p:clrMapOvr>
+  <p:timing>
+    <p:tnLst>
+      <p:par>
+        <p:cTn id="1" dur="indefinite" restart="never" nodeType="tmRoot"/>
+      </p:par>
+    </p:tnLst>
+  </p:timing>
 </p:sld>
 </file>
 

--- a/M013_UF1_Prototip_2_Oriol_Garcia/Prototip 2.pptx
+++ b/M013_UF1_Prototip_2_Oriol_Garcia/Prototip 2.pptx
@@ -503,7 +503,7 @@
             <a:fld id="{AB28086F-0037-4836-A106-814E49C1555E}" type="datetimeFigureOut">
               <a:rPr lang="es-ES" smtClean="0"/>
               <a:pPr/>
-              <a:t>20/04/2017</a:t>
+              <a:t>21/04/2017</a:t>
             </a:fld>
             <a:endParaRPr lang="es-ES"/>
           </a:p>
@@ -670,7 +670,7 @@
             <a:fld id="{AB28086F-0037-4836-A106-814E49C1555E}" type="datetimeFigureOut">
               <a:rPr lang="es-ES" smtClean="0"/>
               <a:pPr/>
-              <a:t>20/04/2017</a:t>
+              <a:t>21/04/2017</a:t>
             </a:fld>
             <a:endParaRPr lang="es-ES"/>
           </a:p>
@@ -847,7 +847,7 @@
             <a:fld id="{AB28086F-0037-4836-A106-814E49C1555E}" type="datetimeFigureOut">
               <a:rPr lang="es-ES" smtClean="0"/>
               <a:pPr/>
-              <a:t>20/04/2017</a:t>
+              <a:t>21/04/2017</a:t>
             </a:fld>
             <a:endParaRPr lang="es-ES"/>
           </a:p>
@@ -1018,7 +1018,7 @@
             <a:fld id="{AB28086F-0037-4836-A106-814E49C1555E}" type="datetimeFigureOut">
               <a:rPr lang="es-ES" smtClean="0"/>
               <a:pPr/>
-              <a:t>20/04/2017</a:t>
+              <a:t>21/04/2017</a:t>
             </a:fld>
             <a:endParaRPr lang="es-ES"/>
           </a:p>
@@ -1475,7 +1475,7 @@
             <a:fld id="{AB28086F-0037-4836-A106-814E49C1555E}" type="datetimeFigureOut">
               <a:rPr lang="es-ES" smtClean="0"/>
               <a:pPr/>
-              <a:t>20/04/2017</a:t>
+              <a:t>21/04/2017</a:t>
             </a:fld>
             <a:endParaRPr lang="es-ES"/>
           </a:p>
@@ -1741,7 +1741,7 @@
             <a:fld id="{AB28086F-0037-4836-A106-814E49C1555E}" type="datetimeFigureOut">
               <a:rPr lang="es-ES" smtClean="0"/>
               <a:pPr/>
-              <a:t>20/04/2017</a:t>
+              <a:t>21/04/2017</a:t>
             </a:fld>
             <a:endParaRPr lang="es-ES"/>
           </a:p>
@@ -2117,7 +2117,7 @@
             <a:fld id="{AB28086F-0037-4836-A106-814E49C1555E}" type="datetimeFigureOut">
               <a:rPr lang="es-ES" smtClean="0"/>
               <a:pPr/>
-              <a:t>20/04/2017</a:t>
+              <a:t>21/04/2017</a:t>
             </a:fld>
             <a:endParaRPr lang="es-ES"/>
           </a:p>
@@ -2241,7 +2241,7 @@
             <a:fld id="{AB28086F-0037-4836-A106-814E49C1555E}" type="datetimeFigureOut">
               <a:rPr lang="es-ES" smtClean="0"/>
               <a:pPr/>
-              <a:t>20/04/2017</a:t>
+              <a:t>21/04/2017</a:t>
             </a:fld>
             <a:endParaRPr lang="es-ES"/>
           </a:p>
@@ -2333,7 +2333,7 @@
             <a:fld id="{AB28086F-0037-4836-A106-814E49C1555E}" type="datetimeFigureOut">
               <a:rPr lang="es-ES" smtClean="0"/>
               <a:pPr/>
-              <a:t>20/04/2017</a:t>
+              <a:t>21/04/2017</a:t>
             </a:fld>
             <a:endParaRPr lang="es-ES"/>
           </a:p>
@@ -2584,7 +2584,7 @@
             <a:fld id="{AB28086F-0037-4836-A106-814E49C1555E}" type="datetimeFigureOut">
               <a:rPr lang="es-ES" smtClean="0"/>
               <a:pPr/>
-              <a:t>20/04/2017</a:t>
+              <a:t>21/04/2017</a:t>
             </a:fld>
             <a:endParaRPr lang="es-ES"/>
           </a:p>
@@ -2845,7 +2845,7 @@
             <a:fld id="{AB28086F-0037-4836-A106-814E49C1555E}" type="datetimeFigureOut">
               <a:rPr lang="es-ES" smtClean="0"/>
               <a:pPr/>
-              <a:t>20/04/2017</a:t>
+              <a:t>21/04/2017</a:t>
             </a:fld>
             <a:endParaRPr lang="es-ES"/>
           </a:p>
@@ -3251,7 +3251,7 @@
             <a:fld id="{AB28086F-0037-4836-A106-814E49C1555E}" type="datetimeFigureOut">
               <a:rPr lang="es-ES" smtClean="0"/>
               <a:pPr/>
-              <a:t>20/04/2017</a:t>
+              <a:t>21/04/2017</a:t>
             </a:fld>
             <a:endParaRPr lang="es-ES"/>
           </a:p>
@@ -5315,7 +5315,7 @@
         </p:blipFill>
         <p:spPr bwMode="auto">
           <a:xfrm>
-            <a:off x="2428860" y="1571612"/>
+            <a:off x="3428992" y="1285860"/>
             <a:ext cx="5148193" cy="2328557"/>
           </a:xfrm>
           <a:prstGeom prst="rect">
@@ -5348,7 +5348,7 @@
         </p:blipFill>
         <p:spPr bwMode="auto">
           <a:xfrm>
-            <a:off x="1714480" y="4286256"/>
+            <a:off x="2357422" y="4714884"/>
             <a:ext cx="6067425" cy="1228725"/>
           </a:xfrm>
           <a:prstGeom prst="rect">
@@ -5372,7 +5372,7 @@
         </p:nvSpPr>
         <p:spPr>
           <a:xfrm>
-            <a:off x="857224" y="2143116"/>
+            <a:off x="500034" y="2071678"/>
             <a:ext cx="1357322" cy="584775"/>
           </a:xfrm>
           <a:prstGeom prst="rect">
@@ -5389,6 +5389,45 @@
             <a:r>
               <a:rPr lang="ca-ES" sz="3200" dirty="0" smtClean="0"/>
               <a:t>Top 5</a:t>
+            </a:r>
+            <a:endParaRPr lang="ca-ES" sz="3200" dirty="0"/>
+          </a:p>
+        </p:txBody>
+      </p:sp>
+      <p:sp>
+        <p:nvSpPr>
+          <p:cNvPr id="6" name="5 CuadroTexto"/>
+          <p:cNvSpPr txBox="1"/>
+          <p:nvPr/>
+        </p:nvSpPr>
+        <p:spPr>
+          <a:xfrm>
+            <a:off x="357158" y="2714620"/>
+            <a:ext cx="3571900" cy="1569660"/>
+          </a:xfrm>
+          <a:prstGeom prst="rect">
+            <a:avLst/>
+          </a:prstGeom>
+          <a:noFill/>
+        </p:spPr>
+        <p:txBody>
+          <a:bodyPr wrap="square" rtlCol="0">
+            <a:spAutoFit/>
+          </a:bodyPr>
+          <a:lstStyle/>
+          <a:p>
+            <a:r>
+              <a:rPr lang="ca-ES" sz="3200" dirty="0" smtClean="0"/>
+              <a:t>Matar +punts</a:t>
+            </a:r>
+          </a:p>
+          <a:p>
+            <a:endParaRPr lang="ca-ES" sz="3200" dirty="0" smtClean="0"/>
+          </a:p>
+          <a:p>
+            <a:r>
+              <a:rPr lang="ca-ES" sz="3200" dirty="0" smtClean="0"/>
+              <a:t>Perdre vida -punts</a:t>
             </a:r>
             <a:endParaRPr lang="ca-ES" sz="3200" dirty="0"/>
           </a:p>
@@ -5703,8 +5742,8 @@
               <a:t>: </a:t>
             </a:r>
             <a:r>
-              <a:rPr lang="ca-ES" dirty="0" err="1" smtClean="0"/>
-              <a:t>Audio</a:t>
+              <a:rPr lang="ca-ES" dirty="0" smtClean="0"/>
+              <a:t>Àudio</a:t>
             </a:r>
             <a:endParaRPr lang="ca-ES" dirty="0"/>
           </a:p>
@@ -5750,7 +5789,11 @@
           <a:p>
             <a:r>
               <a:rPr lang="ca-ES" dirty="0" smtClean="0"/>
-              <a:t>Sons al perdre vida.</a:t>
+              <a:t>So </a:t>
+            </a:r>
+            <a:r>
+              <a:rPr lang="ca-ES" dirty="0" smtClean="0"/>
+              <a:t>al perdre vida.</a:t>
             </a:r>
           </a:p>
           <a:p>
@@ -5877,6 +5920,10 @@
               <a:rPr lang="ca-ES" dirty="0" err="1" smtClean="0"/>
               <a:t>Boss</a:t>
             </a:r>
+            <a:r>
+              <a:rPr lang="ca-ES" dirty="0" smtClean="0"/>
+              <a:t> (En procés)</a:t>
+            </a:r>
             <a:endParaRPr lang="ca-ES" dirty="0" smtClean="0"/>
           </a:p>
           <a:p>
@@ -5895,8 +5942,8 @@
               <a:t>Nous </a:t>
             </a:r>
             <a:r>
-              <a:rPr lang="ca-ES" dirty="0" err="1" smtClean="0"/>
-              <a:t>mapas</a:t>
+              <a:rPr lang="ca-ES" dirty="0" smtClean="0"/>
+              <a:t>mapes</a:t>
             </a:r>
             <a:endParaRPr lang="ca-ES" dirty="0" smtClean="0"/>
           </a:p>
@@ -5921,8 +5968,8 @@
           <a:p>
             <a:pPr lvl="1"/>
             <a:r>
-              <a:rPr lang="ca-ES" dirty="0" err="1" smtClean="0"/>
-              <a:t>Icone</a:t>
+              <a:rPr lang="ca-ES" dirty="0" smtClean="0"/>
+              <a:t>Icona</a:t>
             </a:r>
             <a:endParaRPr lang="ca-ES" dirty="0" smtClean="0"/>
           </a:p>
@@ -5931,8 +5978,8 @@
           </a:p>
           <a:p>
             <a:r>
-              <a:rPr lang="ca-ES" dirty="0" err="1" smtClean="0"/>
-              <a:t>Memoria</a:t>
+              <a:rPr lang="ca-ES" dirty="0" smtClean="0"/>
+              <a:t>Memòria</a:t>
             </a:r>
             <a:endParaRPr lang="ca-ES" dirty="0"/>
           </a:p>
